--- a/FileControlSystem- - Erickson,Elliott,New,Bell,Regenold.pptx
+++ b/FileControlSystem- - Erickson,Elliott,New,Bell,Regenold.pptx
@@ -127,7 +127,7 @@
   <pc:docChgLst>
     <pc:chgData name="Mark Erickson" userId="e28897dbfb9161ac" providerId="LiveId" clId="{B8604154-54DB-4C4E-8BD3-47E5B5D88E1A}"/>
     <pc:docChg chg="undo custSel addSld delSld modSld">
-      <pc:chgData name="Mark Erickson" userId="e28897dbfb9161ac" providerId="LiveId" clId="{B8604154-54DB-4C4E-8BD3-47E5B5D88E1A}" dt="2018-12-03T03:38:08.743" v="1205" actId="20577"/>
+      <pc:chgData name="Mark Erickson" userId="e28897dbfb9161ac" providerId="LiveId" clId="{B8604154-54DB-4C4E-8BD3-47E5B5D88E1A}" dt="2018-12-05T13:51:35.721" v="1438" actId="20577"/>
       <pc:docMkLst>
         <pc:docMk/>
       </pc:docMkLst>
@@ -170,13 +170,13 @@
         </pc:spChg>
       </pc:sldChg>
       <pc:sldChg chg="modSp modNotesTx">
-        <pc:chgData name="Mark Erickson" userId="e28897dbfb9161ac" providerId="LiveId" clId="{B8604154-54DB-4C4E-8BD3-47E5B5D88E1A}" dt="2018-12-03T03:38:08.743" v="1205" actId="20577"/>
+        <pc:chgData name="Mark Erickson" userId="e28897dbfb9161ac" providerId="LiveId" clId="{B8604154-54DB-4C4E-8BD3-47E5B5D88E1A}" dt="2018-12-05T13:51:35.721" v="1438" actId="20577"/>
         <pc:sldMkLst>
           <pc:docMk/>
           <pc:sldMk cId="2828187735" sldId="258"/>
         </pc:sldMkLst>
         <pc:spChg chg="mod">
-          <ac:chgData name="Mark Erickson" userId="e28897dbfb9161ac" providerId="LiveId" clId="{B8604154-54DB-4C4E-8BD3-47E5B5D88E1A}" dt="2018-12-03T00:24:43.268" v="80" actId="20577"/>
+          <ac:chgData name="Mark Erickson" userId="e28897dbfb9161ac" providerId="LiveId" clId="{B8604154-54DB-4C4E-8BD3-47E5B5D88E1A}" dt="2018-12-05T13:42:19.979" v="1223" actId="20577"/>
           <ac:spMkLst>
             <pc:docMk/>
             <pc:sldMk cId="2828187735" sldId="258"/>
@@ -184,7 +184,7 @@
           </ac:spMkLst>
         </pc:spChg>
         <pc:spChg chg="mod">
-          <ac:chgData name="Mark Erickson" userId="e28897dbfb9161ac" providerId="LiveId" clId="{B8604154-54DB-4C4E-8BD3-47E5B5D88E1A}" dt="2018-12-03T03:38:08.743" v="1205" actId="20577"/>
+          <ac:chgData name="Mark Erickson" userId="e28897dbfb9161ac" providerId="LiveId" clId="{B8604154-54DB-4C4E-8BD3-47E5B5D88E1A}" dt="2018-12-05T13:51:35.721" v="1438" actId="20577"/>
           <ac:spMkLst>
             <pc:docMk/>
             <pc:sldMk cId="2828187735" sldId="258"/>
@@ -216,7 +216,7 @@
         </pc:spChg>
       </pc:sldChg>
       <pc:sldChg chg="addSp modSp modNotesTx">
-        <pc:chgData name="Mark Erickson" userId="e28897dbfb9161ac" providerId="LiveId" clId="{B8604154-54DB-4C4E-8BD3-47E5B5D88E1A}" dt="2018-12-03T03:27:19.582" v="1166" actId="20577"/>
+        <pc:chgData name="Mark Erickson" userId="e28897dbfb9161ac" providerId="LiveId" clId="{B8604154-54DB-4C4E-8BD3-47E5B5D88E1A}" dt="2018-12-05T13:48:09.025" v="1271" actId="20577"/>
         <pc:sldMkLst>
           <pc:docMk/>
           <pc:sldMk cId="3119543926" sldId="260"/>
@@ -238,7 +238,7 @@
           </ac:spMkLst>
         </pc:spChg>
         <pc:graphicFrameChg chg="add mod modGraphic">
-          <ac:chgData name="Mark Erickson" userId="e28897dbfb9161ac" providerId="LiveId" clId="{B8604154-54DB-4C4E-8BD3-47E5B5D88E1A}" dt="2018-12-03T01:20:48.193" v="526" actId="1076"/>
+          <ac:chgData name="Mark Erickson" userId="e28897dbfb9161ac" providerId="LiveId" clId="{B8604154-54DB-4C4E-8BD3-47E5B5D88E1A}" dt="2018-12-05T13:48:09.025" v="1271" actId="20577"/>
           <ac:graphicFrameMkLst>
             <pc:docMk/>
             <pc:sldMk cId="3119543926" sldId="260"/>
@@ -292,15 +292,8 @@
           </ac:spMkLst>
         </pc:spChg>
       </pc:sldChg>
-      <pc:sldChg chg="add del">
-        <pc:chgData name="Mark Erickson" userId="e28897dbfb9161ac" providerId="LiveId" clId="{B8604154-54DB-4C4E-8BD3-47E5B5D88E1A}" dt="2018-12-03T01:04:16.770" v="176" actId="2696"/>
-        <pc:sldMkLst>
-          <pc:docMk/>
-          <pc:sldMk cId="4065849566" sldId="267"/>
-        </pc:sldMkLst>
-      </pc:sldChg>
       <pc:sldChg chg="modSp">
-        <pc:chgData name="Mark Erickson" userId="e28897dbfb9161ac" providerId="LiveId" clId="{B8604154-54DB-4C4E-8BD3-47E5B5D88E1A}" dt="2018-12-03T00:26:21.684" v="95" actId="20577"/>
+        <pc:chgData name="Mark Erickson" userId="e28897dbfb9161ac" providerId="LiveId" clId="{B8604154-54DB-4C4E-8BD3-47E5B5D88E1A}" dt="2018-12-03T15:25:18.949" v="1215" actId="20577"/>
         <pc:sldMkLst>
           <pc:docMk/>
           <pc:sldMk cId="1203666983" sldId="268"/>
@@ -314,7 +307,7 @@
           </ac:spMkLst>
         </pc:spChg>
         <pc:spChg chg="mod">
-          <ac:chgData name="Mark Erickson" userId="e28897dbfb9161ac" providerId="LiveId" clId="{B8604154-54DB-4C4E-8BD3-47E5B5D88E1A}" dt="2018-12-03T00:26:21.684" v="95" actId="20577"/>
+          <ac:chgData name="Mark Erickson" userId="e28897dbfb9161ac" providerId="LiveId" clId="{B8604154-54DB-4C4E-8BD3-47E5B5D88E1A}" dt="2018-12-03T15:25:18.949" v="1215" actId="20577"/>
           <ac:spMkLst>
             <pc:docMk/>
             <pc:sldMk cId="1203666983" sldId="268"/>
@@ -889,7 +882,7 @@
           <a:p>
             <a:fld id="{BD66E542-F273-4BB7-8066-784D09FE2BB4}" type="datetimeFigureOut">
               <a:rPr lang="en-US" smtClean="0"/>
-              <a:t>12/2/2018</a:t>
+              <a:t>12/5/2018</a:t>
             </a:fld>
             <a:endParaRPr lang="en-US"/>
           </a:p>
@@ -2418,7 +2411,7 @@
           <a:p>
             <a:fld id="{846CE7D5-CF57-46EF-B807-FDD0502418D4}" type="datetimeFigureOut">
               <a:rPr lang="en-US" smtClean="0"/>
-              <a:t>12/2/2018</a:t>
+              <a:t>12/5/2018</a:t>
             </a:fld>
             <a:endParaRPr lang="en-US"/>
           </a:p>
@@ -2668,7 +2661,7 @@
           <a:p>
             <a:fld id="{846CE7D5-CF57-46EF-B807-FDD0502418D4}" type="datetimeFigureOut">
               <a:rPr lang="en-US" smtClean="0"/>
-              <a:t>12/2/2018</a:t>
+              <a:t>12/5/2018</a:t>
             </a:fld>
             <a:endParaRPr lang="en-US"/>
           </a:p>
@@ -2981,7 +2974,7 @@
           <a:p>
             <a:fld id="{846CE7D5-CF57-46EF-B807-FDD0502418D4}" type="datetimeFigureOut">
               <a:rPr lang="en-US" smtClean="0"/>
-              <a:t>12/2/2018</a:t>
+              <a:t>12/5/2018</a:t>
             </a:fld>
             <a:endParaRPr lang="en-US"/>
           </a:p>
@@ -3313,7 +3306,7 @@
           <a:p>
             <a:fld id="{846CE7D5-CF57-46EF-B807-FDD0502418D4}" type="datetimeFigureOut">
               <a:rPr lang="en-US" smtClean="0"/>
-              <a:t>12/2/2018</a:t>
+              <a:t>12/5/2018</a:t>
             </a:fld>
             <a:endParaRPr lang="en-US"/>
           </a:p>
@@ -3626,7 +3619,7 @@
           <a:p>
             <a:fld id="{846CE7D5-CF57-46EF-B807-FDD0502418D4}" type="datetimeFigureOut">
               <a:rPr lang="en-US" smtClean="0"/>
-              <a:t>12/2/2018</a:t>
+              <a:t>12/5/2018</a:t>
             </a:fld>
             <a:endParaRPr lang="en-US"/>
           </a:p>
@@ -4018,7 +4011,7 @@
           <a:p>
             <a:fld id="{846CE7D5-CF57-46EF-B807-FDD0502418D4}" type="datetimeFigureOut">
               <a:rPr lang="en-US" smtClean="0"/>
-              <a:t>12/2/2018</a:t>
+              <a:t>12/5/2018</a:t>
             </a:fld>
             <a:endParaRPr lang="en-US"/>
           </a:p>
@@ -4186,7 +4179,7 @@
           <a:p>
             <a:fld id="{846CE7D5-CF57-46EF-B807-FDD0502418D4}" type="datetimeFigureOut">
               <a:rPr lang="en-US" smtClean="0"/>
-              <a:t>12/2/2018</a:t>
+              <a:t>12/5/2018</a:t>
             </a:fld>
             <a:endParaRPr lang="en-US"/>
           </a:p>
@@ -4364,7 +4357,7 @@
           <a:p>
             <a:fld id="{846CE7D5-CF57-46EF-B807-FDD0502418D4}" type="datetimeFigureOut">
               <a:rPr lang="en-US" smtClean="0"/>
-              <a:t>12/2/2018</a:t>
+              <a:t>12/5/2018</a:t>
             </a:fld>
             <a:endParaRPr lang="en-US"/>
           </a:p>
@@ -4532,7 +4525,7 @@
           <a:p>
             <a:fld id="{846CE7D5-CF57-46EF-B807-FDD0502418D4}" type="datetimeFigureOut">
               <a:rPr lang="en-US" smtClean="0"/>
-              <a:t>12/2/2018</a:t>
+              <a:t>12/5/2018</a:t>
             </a:fld>
             <a:endParaRPr lang="en-US"/>
           </a:p>
@@ -4778,7 +4771,7 @@
           <a:p>
             <a:fld id="{846CE7D5-CF57-46EF-B807-FDD0502418D4}" type="datetimeFigureOut">
               <a:rPr lang="en-US" smtClean="0"/>
-              <a:t>12/2/2018</a:t>
+              <a:t>12/5/2018</a:t>
             </a:fld>
             <a:endParaRPr lang="en-US"/>
           </a:p>
@@ -5007,7 +5000,7 @@
           <a:p>
             <a:fld id="{846CE7D5-CF57-46EF-B807-FDD0502418D4}" type="datetimeFigureOut">
               <a:rPr lang="en-US" smtClean="0"/>
-              <a:t>12/2/2018</a:t>
+              <a:t>12/5/2018</a:t>
             </a:fld>
             <a:endParaRPr lang="en-US"/>
           </a:p>
@@ -5378,7 +5371,7 @@
           <a:p>
             <a:fld id="{846CE7D5-CF57-46EF-B807-FDD0502418D4}" type="datetimeFigureOut">
               <a:rPr lang="en-US" smtClean="0"/>
-              <a:t>12/2/2018</a:t>
+              <a:t>12/5/2018</a:t>
             </a:fld>
             <a:endParaRPr lang="en-US"/>
           </a:p>
@@ -5500,7 +5493,7 @@
           <a:p>
             <a:fld id="{846CE7D5-CF57-46EF-B807-FDD0502418D4}" type="datetimeFigureOut">
               <a:rPr lang="en-US" smtClean="0"/>
-              <a:t>12/2/2018</a:t>
+              <a:t>12/5/2018</a:t>
             </a:fld>
             <a:endParaRPr lang="en-US"/>
           </a:p>
@@ -5595,7 +5588,7 @@
           <a:p>
             <a:fld id="{846CE7D5-CF57-46EF-B807-FDD0502418D4}" type="datetimeFigureOut">
               <a:rPr lang="en-US" smtClean="0"/>
-              <a:t>12/2/2018</a:t>
+              <a:t>12/5/2018</a:t>
             </a:fld>
             <a:endParaRPr lang="en-US"/>
           </a:p>
@@ -5848,7 +5841,7 @@
           <a:p>
             <a:fld id="{846CE7D5-CF57-46EF-B807-FDD0502418D4}" type="datetimeFigureOut">
               <a:rPr lang="en-US" smtClean="0"/>
-              <a:t>12/2/2018</a:t>
+              <a:t>12/5/2018</a:t>
             </a:fld>
             <a:endParaRPr lang="en-US"/>
           </a:p>
@@ -6151,7 +6144,7 @@
           <a:p>
             <a:fld id="{846CE7D5-CF57-46EF-B807-FDD0502418D4}" type="datetimeFigureOut">
               <a:rPr lang="en-US" smtClean="0"/>
-              <a:t>12/2/2018</a:t>
+              <a:t>12/5/2018</a:t>
             </a:fld>
             <a:endParaRPr lang="en-US"/>
           </a:p>
@@ -6851,7 +6844,7 @@
           <a:p>
             <a:fld id="{846CE7D5-CF57-46EF-B807-FDD0502418D4}" type="datetimeFigureOut">
               <a:rPr lang="en-US" smtClean="0"/>
-              <a:t>12/2/2018</a:t>
+              <a:t>12/5/2018</a:t>
             </a:fld>
             <a:endParaRPr lang="en-US"/>
           </a:p>
@@ -7644,7 +7637,7 @@
           <a:p>
             <a:r>
               <a:rPr lang="en-US" dirty="0"/>
-              <a:t>Requirements - User Stories</a:t>
+              <a:t>Requirements</a:t>
             </a:r>
           </a:p>
         </p:txBody>
@@ -7686,7 +7679,7 @@
             </a:pPr>
             <a:r>
               <a:rPr lang="en-US" dirty="0"/>
-              <a:t>1 - I need to be able to copy files from a network drive to a PC. </a:t>
+              <a:t>1 - I need to be able to copy files from a network drive to a specific PC. </a:t>
             </a:r>
           </a:p>
           <a:p>
@@ -7696,6 +7689,38 @@
             <a:r>
               <a:rPr lang="en-US" dirty="0"/>
               <a:t>2 - I need to be able to add the files and their source and destination folders.</a:t>
+            </a:r>
+          </a:p>
+          <a:p>
+            <a:pPr marL="0" indent="0">
+              <a:buNone/>
+            </a:pPr>
+            <a:r>
+              <a:rPr lang="en-US" dirty="0"/>
+              <a:t>3 – I need to be able to easily modify </a:t>
+            </a:r>
+            <a:r>
+              <a:rPr lang="en-US"/>
+              <a:t>this list.</a:t>
+            </a:r>
+            <a:endParaRPr lang="en-US" dirty="0"/>
+          </a:p>
+          <a:p>
+            <a:pPr marL="0" indent="0">
+              <a:buNone/>
+            </a:pPr>
+            <a:r>
+              <a:rPr lang="en-US" dirty="0"/>
+              <a:t>4 – I would like to display the controlled items in one place. </a:t>
+            </a:r>
+          </a:p>
+          <a:p>
+            <a:pPr marL="0" indent="0">
+              <a:buNone/>
+            </a:pPr>
+            <a:r>
+              <a:rPr lang="en-US" dirty="0"/>
+              <a:t>5 - I would like to log activities.</a:t>
             </a:r>
           </a:p>
         </p:txBody>
@@ -7786,7 +7811,7 @@
             </a:pPr>
             <a:r>
               <a:rPr lang="en-US" dirty="0"/>
-              <a:t>Here  </a:t>
+              <a:t>One moment  </a:t>
             </a:r>
           </a:p>
         </p:txBody>
@@ -8058,7 +8083,7 @@
           <p:nvPr>
             <p:extLst>
               <p:ext uri="{D42A27DB-BD31-4B8C-83A1-F6EECF244321}">
-                <p14:modId xmlns:p14="http://schemas.microsoft.com/office/powerpoint/2010/main" val="1984559929"/>
+                <p14:modId xmlns:p14="http://schemas.microsoft.com/office/powerpoint/2010/main" val="4075920528"/>
               </p:ext>
             </p:extLst>
           </p:nvPr>
@@ -8143,7 +8168,7 @@
                     <a:p>
                       <a:r>
                         <a:rPr lang="en-US" dirty="0"/>
-                        <a:t>2 HTML  </a:t>
+                        <a:t>1 HTML  </a:t>
                       </a:r>
                     </a:p>
                   </a:txBody>
